--- a/3sem/kursach/data/presentation.pptx
+++ b/3sem/kursach/data/presentation.pptx
@@ -5,7 +5,7 @@
     <p:sldMasterId id="2147483713" r:id="rId1"/>
   </p:sldMasterIdLst>
   <p:notesMasterIdLst>
-    <p:notesMasterId r:id="rId34"/>
+    <p:notesMasterId r:id="rId35"/>
   </p:notesMasterIdLst>
   <p:sldIdLst>
     <p:sldId id="256" r:id="rId2"/>
@@ -40,6 +40,7 @@
     <p:sldId id="290" r:id="rId31"/>
     <p:sldId id="291" r:id="rId32"/>
     <p:sldId id="292" r:id="rId33"/>
+    <p:sldId id="293" r:id="rId34"/>
   </p:sldIdLst>
   <p:sldSz cx="12192000" cy="6858000"/>
   <p:notesSz cx="6858000" cy="9144000"/>
@@ -175,6 +176,7 @@
             <p14:sldId id="290"/>
             <p14:sldId id="291"/>
             <p14:sldId id="292"/>
+            <p14:sldId id="293"/>
           </p14:sldIdLst>
         </p14:section>
       </p14:sectionLst>
@@ -7850,6 +7852,373 @@
   <p:clrMapOvr>
     <a:masterClrMapping/>
   </p:clrMapOvr>
+</p:sld>
+</file>
+
+<file path=ppt/slides/slide33.xml><?xml version="1.0" encoding="utf-8"?>
+<p:sld xmlns:a="http://schemas.openxmlformats.org/drawingml/2006/main" xmlns:r="http://schemas.openxmlformats.org/officeDocument/2006/relationships" xmlns:p="http://schemas.openxmlformats.org/presentationml/2006/main">
+  <p:cSld>
+    <p:spTree>
+      <p:nvGrpSpPr>
+        <p:cNvPr id="1" name=""/>
+        <p:cNvGrpSpPr/>
+        <p:nvPr/>
+      </p:nvGrpSpPr>
+      <p:grpSpPr>
+        <a:xfrm>
+          <a:off x="0" y="0"/>
+          <a:ext cx="0" cy="0"/>
+          <a:chOff x="0" y="0"/>
+          <a:chExt cx="0" cy="0"/>
+        </a:xfrm>
+      </p:grpSpPr>
+      <p:sp>
+        <p:nvSpPr>
+          <p:cNvPr id="4" name="TextBox 3">
+            <a:extLst>
+              <a:ext uri="{FF2B5EF4-FFF2-40B4-BE49-F238E27FC236}">
+                <a16:creationId xmlns:a16="http://schemas.microsoft.com/office/drawing/2014/main" id="{6EC67C33-A0BD-0CAD-44D9-EFFC2B241316}"/>
+              </a:ext>
+            </a:extLst>
+          </p:cNvPr>
+          <p:cNvSpPr txBox="1"/>
+          <p:nvPr/>
+        </p:nvSpPr>
+        <p:spPr>
+          <a:xfrm>
+            <a:off x="3216067" y="324741"/>
+            <a:ext cx="5759866" cy="461665"/>
+          </a:xfrm>
+          <a:prstGeom prst="rect">
+            <a:avLst/>
+          </a:prstGeom>
+          <a:noFill/>
+        </p:spPr>
+        <p:txBody>
+          <a:bodyPr wrap="square" rtlCol="0">
+            <a:spAutoFit/>
+          </a:bodyPr>
+          <a:lstStyle/>
+          <a:p>
+            <a:pPr algn="ctr"/>
+            <a:r>
+              <a:rPr lang="ru-RU" sz="2400" dirty="0"/>
+              <a:t>БОНУС</a:t>
+            </a:r>
+          </a:p>
+        </p:txBody>
+      </p:sp>
+      <p:pic>
+        <p:nvPicPr>
+          <p:cNvPr id="6" name="Рисунок 5">
+            <a:extLst>
+              <a:ext uri="{FF2B5EF4-FFF2-40B4-BE49-F238E27FC236}">
+                <a16:creationId xmlns:a16="http://schemas.microsoft.com/office/drawing/2014/main" id="{07B0D581-8326-6BF0-DFE8-19EA49452D79}"/>
+              </a:ext>
+            </a:extLst>
+          </p:cNvPr>
+          <p:cNvPicPr>
+            <a:picLocks noChangeAspect="1"/>
+          </p:cNvPicPr>
+          <p:nvPr/>
+        </p:nvPicPr>
+        <p:blipFill>
+          <a:blip r:embed="rId2"/>
+          <a:stretch>
+            <a:fillRect/>
+          </a:stretch>
+        </p:blipFill>
+        <p:spPr>
+          <a:xfrm>
+            <a:off x="4911315" y="1398112"/>
+            <a:ext cx="2369369" cy="4061775"/>
+          </a:xfrm>
+          <a:prstGeom prst="rect">
+            <a:avLst/>
+          </a:prstGeom>
+        </p:spPr>
+      </p:pic>
+    </p:spTree>
+    <p:extLst>
+      <p:ext uri="{BB962C8B-B14F-4D97-AF65-F5344CB8AC3E}">
+        <p14:creationId xmlns:p14="http://schemas.microsoft.com/office/powerpoint/2010/main" val="1879954912"/>
+      </p:ext>
+    </p:extLst>
+  </p:cSld>
+  <p:clrMapOvr>
+    <a:masterClrMapping/>
+  </p:clrMapOvr>
+  <p:timing>
+    <p:tnLst>
+      <p:par>
+        <p:cTn id="1" dur="indefinite" restart="never" nodeType="tmRoot">
+          <p:childTnLst>
+            <p:seq concurrent="1" nextAc="seek">
+              <p:cTn id="2" dur="indefinite" nodeType="mainSeq">
+                <p:childTnLst>
+                  <p:par>
+                    <p:cTn id="3" fill="hold">
+                      <p:stCondLst>
+                        <p:cond delay="indefinite"/>
+                      </p:stCondLst>
+                      <p:childTnLst>
+                        <p:par>
+                          <p:cTn id="4" fill="hold">
+                            <p:stCondLst>
+                              <p:cond delay="0"/>
+                            </p:stCondLst>
+                            <p:childTnLst>
+                              <p:par>
+                                <p:cTn id="5" presetID="8" presetClass="emph" presetSubtype="0" fill="hold" nodeType="clickEffect">
+                                  <p:stCondLst>
+                                    <p:cond delay="0"/>
+                                  </p:stCondLst>
+                                  <p:childTnLst>
+                                    <p:animRot by="21600000">
+                                      <p:cBhvr>
+                                        <p:cTn id="6" dur="2000" fill="hold"/>
+                                        <p:tgtEl>
+                                          <p:spTgt spid="6"/>
+                                        </p:tgtEl>
+                                        <p:attrNameLst>
+                                          <p:attrName>r</p:attrName>
+                                        </p:attrNameLst>
+                                      </p:cBhvr>
+                                    </p:animRot>
+                                  </p:childTnLst>
+                                </p:cTn>
+                              </p:par>
+                            </p:childTnLst>
+                          </p:cTn>
+                        </p:par>
+                        <p:par>
+                          <p:cTn id="7" fill="hold">
+                            <p:stCondLst>
+                              <p:cond delay="2000"/>
+                            </p:stCondLst>
+                            <p:childTnLst>
+                              <p:par>
+                                <p:cTn id="8" presetID="8" presetClass="emph" presetSubtype="0" fill="hold" nodeType="afterEffect">
+                                  <p:stCondLst>
+                                    <p:cond delay="0"/>
+                                  </p:stCondLst>
+                                  <p:childTnLst>
+                                    <p:animRot by="21600000">
+                                      <p:cBhvr>
+                                        <p:cTn id="9" dur="2000" fill="hold"/>
+                                        <p:tgtEl>
+                                          <p:spTgt spid="6"/>
+                                        </p:tgtEl>
+                                        <p:attrNameLst>
+                                          <p:attrName>r</p:attrName>
+                                        </p:attrNameLst>
+                                      </p:cBhvr>
+                                    </p:animRot>
+                                  </p:childTnLst>
+                                </p:cTn>
+                              </p:par>
+                            </p:childTnLst>
+                          </p:cTn>
+                        </p:par>
+                        <p:par>
+                          <p:cTn id="10" fill="hold">
+                            <p:stCondLst>
+                              <p:cond delay="4000"/>
+                            </p:stCondLst>
+                            <p:childTnLst>
+                              <p:par>
+                                <p:cTn id="11" presetID="8" presetClass="emph" presetSubtype="0" fill="hold" nodeType="afterEffect">
+                                  <p:stCondLst>
+                                    <p:cond delay="0"/>
+                                  </p:stCondLst>
+                                  <p:childTnLst>
+                                    <p:animRot by="21600000">
+                                      <p:cBhvr>
+                                        <p:cTn id="12" dur="2000" fill="hold"/>
+                                        <p:tgtEl>
+                                          <p:spTgt spid="6"/>
+                                        </p:tgtEl>
+                                        <p:attrNameLst>
+                                          <p:attrName>r</p:attrName>
+                                        </p:attrNameLst>
+                                      </p:cBhvr>
+                                    </p:animRot>
+                                  </p:childTnLst>
+                                </p:cTn>
+                              </p:par>
+                            </p:childTnLst>
+                          </p:cTn>
+                        </p:par>
+                        <p:par>
+                          <p:cTn id="13" fill="hold">
+                            <p:stCondLst>
+                              <p:cond delay="6000"/>
+                            </p:stCondLst>
+                            <p:childTnLst>
+                              <p:par>
+                                <p:cTn id="14" presetID="8" presetClass="emph" presetSubtype="0" fill="hold" nodeType="afterEffect">
+                                  <p:stCondLst>
+                                    <p:cond delay="0"/>
+                                  </p:stCondLst>
+                                  <p:childTnLst>
+                                    <p:animRot by="21600000">
+                                      <p:cBhvr>
+                                        <p:cTn id="15" dur="2000" fill="hold"/>
+                                        <p:tgtEl>
+                                          <p:spTgt spid="6"/>
+                                        </p:tgtEl>
+                                        <p:attrNameLst>
+                                          <p:attrName>r</p:attrName>
+                                        </p:attrNameLst>
+                                      </p:cBhvr>
+                                    </p:animRot>
+                                  </p:childTnLst>
+                                </p:cTn>
+                              </p:par>
+                            </p:childTnLst>
+                          </p:cTn>
+                        </p:par>
+                        <p:par>
+                          <p:cTn id="16" fill="hold">
+                            <p:stCondLst>
+                              <p:cond delay="8000"/>
+                            </p:stCondLst>
+                            <p:childTnLst>
+                              <p:par>
+                                <p:cTn id="17" presetID="8" presetClass="emph" presetSubtype="0" fill="hold" nodeType="afterEffect">
+                                  <p:stCondLst>
+                                    <p:cond delay="0"/>
+                                  </p:stCondLst>
+                                  <p:childTnLst>
+                                    <p:animRot by="21600000">
+                                      <p:cBhvr>
+                                        <p:cTn id="18" dur="2000" fill="hold"/>
+                                        <p:tgtEl>
+                                          <p:spTgt spid="6"/>
+                                        </p:tgtEl>
+                                        <p:attrNameLst>
+                                          <p:attrName>r</p:attrName>
+                                        </p:attrNameLst>
+                                      </p:cBhvr>
+                                    </p:animRot>
+                                  </p:childTnLst>
+                                </p:cTn>
+                              </p:par>
+                            </p:childTnLst>
+                          </p:cTn>
+                        </p:par>
+                        <p:par>
+                          <p:cTn id="19" fill="hold">
+                            <p:stCondLst>
+                              <p:cond delay="10000"/>
+                            </p:stCondLst>
+                            <p:childTnLst>
+                              <p:par>
+                                <p:cTn id="20" presetID="8" presetClass="emph" presetSubtype="0" fill="hold" nodeType="afterEffect">
+                                  <p:stCondLst>
+                                    <p:cond delay="0"/>
+                                  </p:stCondLst>
+                                  <p:childTnLst>
+                                    <p:animRot by="21600000">
+                                      <p:cBhvr>
+                                        <p:cTn id="21" dur="2000" fill="hold"/>
+                                        <p:tgtEl>
+                                          <p:spTgt spid="6"/>
+                                        </p:tgtEl>
+                                        <p:attrNameLst>
+                                          <p:attrName>r</p:attrName>
+                                        </p:attrNameLst>
+                                      </p:cBhvr>
+                                    </p:animRot>
+                                  </p:childTnLst>
+                                </p:cTn>
+                              </p:par>
+                            </p:childTnLst>
+                          </p:cTn>
+                        </p:par>
+                        <p:par>
+                          <p:cTn id="22" fill="hold">
+                            <p:stCondLst>
+                              <p:cond delay="12000"/>
+                            </p:stCondLst>
+                            <p:childTnLst>
+                              <p:par>
+                                <p:cTn id="23" presetID="8" presetClass="emph" presetSubtype="0" fill="hold" nodeType="afterEffect">
+                                  <p:stCondLst>
+                                    <p:cond delay="0"/>
+                                  </p:stCondLst>
+                                  <p:childTnLst>
+                                    <p:animRot by="21600000">
+                                      <p:cBhvr>
+                                        <p:cTn id="24" dur="2000" fill="hold"/>
+                                        <p:tgtEl>
+                                          <p:spTgt spid="6"/>
+                                        </p:tgtEl>
+                                        <p:attrNameLst>
+                                          <p:attrName>r</p:attrName>
+                                        </p:attrNameLst>
+                                      </p:cBhvr>
+                                    </p:animRot>
+                                  </p:childTnLst>
+                                </p:cTn>
+                              </p:par>
+                            </p:childTnLst>
+                          </p:cTn>
+                        </p:par>
+                        <p:par>
+                          <p:cTn id="25" fill="hold">
+                            <p:stCondLst>
+                              <p:cond delay="14000"/>
+                            </p:stCondLst>
+                            <p:childTnLst>
+                              <p:par>
+                                <p:cTn id="26" presetID="8" presetClass="emph" presetSubtype="0" fill="hold" nodeType="afterEffect">
+                                  <p:stCondLst>
+                                    <p:cond delay="0"/>
+                                  </p:stCondLst>
+                                  <p:childTnLst>
+                                    <p:animRot by="21600000">
+                                      <p:cBhvr>
+                                        <p:cTn id="27" dur="2000" fill="hold"/>
+                                        <p:tgtEl>
+                                          <p:spTgt spid="6"/>
+                                        </p:tgtEl>
+                                        <p:attrNameLst>
+                                          <p:attrName>r</p:attrName>
+                                        </p:attrNameLst>
+                                      </p:cBhvr>
+                                    </p:animRot>
+                                  </p:childTnLst>
+                                </p:cTn>
+                              </p:par>
+                            </p:childTnLst>
+                          </p:cTn>
+                        </p:par>
+                      </p:childTnLst>
+                    </p:cTn>
+                  </p:par>
+                </p:childTnLst>
+              </p:cTn>
+              <p:prevCondLst>
+                <p:cond evt="onPrev" delay="0">
+                  <p:tgtEl>
+                    <p:sldTgt/>
+                  </p:tgtEl>
+                </p:cond>
+              </p:prevCondLst>
+              <p:nextCondLst>
+                <p:cond evt="onNext" delay="0">
+                  <p:tgtEl>
+                    <p:sldTgt/>
+                  </p:tgtEl>
+                </p:cond>
+              </p:nextCondLst>
+            </p:seq>
+          </p:childTnLst>
+        </p:cTn>
+      </p:par>
+    </p:tnLst>
+  </p:timing>
 </p:sld>
 </file>
 
@@ -9226,4 +9595,24 @@
     </a:ext>
   </a:extLst>
 </a:theme>
+</file>
+
+<file path=ppt/webextensions/taskpanes.xml><?xml version="1.0" encoding="utf-8"?>
+<wetp:taskpanes xmlns:wetp="http://schemas.microsoft.com/office/webextensions/taskpanes/2010/11">
+  <wetp:taskpane dockstate="right" visibility="0" width="350" row="1">
+    <wetp:webextensionref xmlns:r="http://schemas.openxmlformats.org/officeDocument/2006/relationships" r:id="rId1"/>
+  </wetp:taskpane>
+</wetp:taskpanes>
+</file>
+
+<file path=ppt/webextensions/webextension1.xml><?xml version="1.0" encoding="utf-8"?>
+<we:webextension xmlns:we="http://schemas.microsoft.com/office/webextensions/webextension/2010/11" id="{424561C4-0319-4CA2-AB51-787D0FE9E666}">
+  <we:reference id="wa200005566" version="1.0.0.0" store="ru-RU" storeType="OMEX"/>
+  <we:alternateReferences>
+    <we:reference id="wa200005566" version="1.0.0.0" store="wa200005566" storeType="OMEX"/>
+  </we:alternateReferences>
+  <we:properties/>
+  <we:bindings/>
+  <we:snapshot xmlns:r="http://schemas.openxmlformats.org/officeDocument/2006/relationships"/>
+</we:webextension>
 </file>
--- a/3sem/kursach/data/presentation.pptx
+++ b/3sem/kursach/data/presentation.pptx
@@ -270,7 +270,7 @@
           <a:p>
             <a:fld id="{D0AE7383-3AAF-4F09-8A21-7F4952EFFA81}" type="datetimeFigureOut">
               <a:rPr lang="ru-RU" smtClean="0"/>
-              <a:t>23.11.2023</a:t>
+              <a:t>24.11.2023</a:t>
             </a:fld>
             <a:endParaRPr lang="ru-RU"/>
           </a:p>
@@ -791,7 +791,7 @@
             <a:fld id="{87DE6118-2437-4B30-8E3C-4D2BE6020583}" type="datetimeFigureOut">
               <a:rPr lang="en-US" smtClean="0"/>
               <a:pPr/>
-              <a:t>11/23/2023</a:t>
+              <a:t>11/24/2023</a:t>
             </a:fld>
             <a:endParaRPr lang="en-US" dirty="0"/>
           </a:p>
@@ -1122,7 +1122,7 @@
           <a:p>
             <a:fld id="{87DE6118-2437-4B30-8E3C-4D2BE6020583}" type="datetimeFigureOut">
               <a:rPr lang="en-US" smtClean="0"/>
-              <a:t>11/23/2023</a:t>
+              <a:t>11/24/2023</a:t>
             </a:fld>
             <a:endParaRPr lang="en-US" dirty="0"/>
           </a:p>
@@ -1302,7 +1302,7 @@
           <a:p>
             <a:fld id="{87DE6118-2437-4B30-8E3C-4D2BE6020583}" type="datetimeFigureOut">
               <a:rPr lang="en-US" smtClean="0"/>
-              <a:t>11/23/2023</a:t>
+              <a:t>11/24/2023</a:t>
             </a:fld>
             <a:endParaRPr lang="en-US" dirty="0"/>
           </a:p>
@@ -1472,7 +1472,7 @@
           <a:p>
             <a:fld id="{87DE6118-2437-4B30-8E3C-4D2BE6020583}" type="datetimeFigureOut">
               <a:rPr lang="en-US" smtClean="0"/>
-              <a:t>11/23/2023</a:t>
+              <a:t>11/24/2023</a:t>
             </a:fld>
             <a:endParaRPr lang="en-US" dirty="0"/>
           </a:p>
@@ -1750,7 +1750,7 @@
             <a:fld id="{87DE6118-2437-4B30-8E3C-4D2BE6020583}" type="datetimeFigureOut">
               <a:rPr lang="en-US" smtClean="0"/>
               <a:pPr/>
-              <a:t>11/23/2023</a:t>
+              <a:t>11/24/2023</a:t>
             </a:fld>
             <a:endParaRPr lang="en-US" dirty="0"/>
           </a:p>
@@ -2145,7 +2145,7 @@
           <a:p>
             <a:fld id="{87DE6118-2437-4B30-8E3C-4D2BE6020583}" type="datetimeFigureOut">
               <a:rPr lang="en-US" smtClean="0"/>
-              <a:t>11/23/2023</a:t>
+              <a:t>11/24/2023</a:t>
             </a:fld>
             <a:endParaRPr lang="en-US" dirty="0"/>
           </a:p>
@@ -2622,7 +2622,7 @@
           <a:p>
             <a:fld id="{87DE6118-2437-4B30-8E3C-4D2BE6020583}" type="datetimeFigureOut">
               <a:rPr lang="en-US" smtClean="0"/>
-              <a:t>11/23/2023</a:t>
+              <a:t>11/24/2023</a:t>
             </a:fld>
             <a:endParaRPr lang="en-US" dirty="0"/>
           </a:p>
@@ -2740,7 +2740,7 @@
           <a:p>
             <a:fld id="{87DE6118-2437-4B30-8E3C-4D2BE6020583}" type="datetimeFigureOut">
               <a:rPr lang="en-US" smtClean="0"/>
-              <a:t>11/23/2023</a:t>
+              <a:t>11/24/2023</a:t>
             </a:fld>
             <a:endParaRPr lang="en-US" dirty="0"/>
           </a:p>
@@ -2835,7 +2835,7 @@
           <a:p>
             <a:fld id="{87DE6118-2437-4B30-8E3C-4D2BE6020583}" type="datetimeFigureOut">
               <a:rPr lang="en-US" smtClean="0"/>
-              <a:t>11/23/2023</a:t>
+              <a:t>11/24/2023</a:t>
             </a:fld>
             <a:endParaRPr lang="en-US" dirty="0"/>
           </a:p>
@@ -3182,7 +3182,7 @@
             <a:fld id="{87DE6118-2437-4B30-8E3C-4D2BE6020583}" type="datetimeFigureOut">
               <a:rPr lang="en-US" smtClean="0"/>
               <a:pPr/>
-              <a:t>11/23/2023</a:t>
+              <a:t>11/24/2023</a:t>
             </a:fld>
             <a:endParaRPr lang="en-US" dirty="0"/>
           </a:p>
@@ -3572,7 +3572,7 @@
             <a:fld id="{87DE6118-2437-4B30-8E3C-4D2BE6020583}" type="datetimeFigureOut">
               <a:rPr lang="en-US" smtClean="0"/>
               <a:pPr/>
-              <a:t>11/23/2023</a:t>
+              <a:t>11/24/2023</a:t>
             </a:fld>
             <a:endParaRPr lang="en-US" dirty="0"/>
           </a:p>
@@ -3852,7 +3852,7 @@
             <a:fld id="{87DE6118-2437-4B30-8E3C-4D2BE6020583}" type="datetimeFigureOut">
               <a:rPr lang="en-US" smtClean="0"/>
               <a:pPr/>
-              <a:t>11/23/2023</a:t>
+              <a:t>11/24/2023</a:t>
             </a:fld>
             <a:endParaRPr lang="en-US" dirty="0"/>
           </a:p>
@@ -4416,14 +4416,33 @@
             <p:ph type="subTitle" idx="1"/>
           </p:nvPr>
         </p:nvSpPr>
-        <p:spPr/>
-        <p:txBody>
-          <a:bodyPr/>
-          <a:lstStyle/>
-          <a:p>
+        <p:spPr>
+          <a:xfrm>
+            <a:off x="1915128" y="3956279"/>
+            <a:ext cx="7596451" cy="1086237"/>
+          </a:xfrm>
+        </p:spPr>
+        <p:txBody>
+          <a:bodyPr>
+            <a:normAutofit fontScale="92500" lnSpcReduction="10000"/>
+          </a:bodyPr>
+          <a:lstStyle/>
+          <a:p>
+            <a:pPr algn="l"/>
             <a:r>
               <a:rPr lang="ru-RU" dirty="0"/>
-              <a:t>Презентацию подготовил студент группы ИС241</a:t>
+              <a:t>Презентацию подготовил</a:t>
+            </a:r>
+            <a:r>
+              <a:rPr lang="en-US" dirty="0"/>
+              <a:t>:</a:t>
+            </a:r>
+          </a:p>
+          <a:p>
+            <a:pPr algn="l"/>
+            <a:r>
+              <a:rPr lang="ru-RU" dirty="0"/>
+              <a:t>студент группы ИС241</a:t>
             </a:r>
             <a:br>
               <a:rPr lang="ru-RU" dirty="0"/>
